--- a/Project SpringWater 4 Weeks.pptx
+++ b/Project SpringWater 4 Weeks.pptx
@@ -10,27 +10,20 @@
     <p:sldId id="258" r:id="rId4"/>
     <p:sldId id="259" r:id="rId5"/>
     <p:sldId id="265" r:id="rId6"/>
-    <p:sldId id="260" r:id="rId7"/>
-    <p:sldId id="261" r:id="rId8"/>
-    <p:sldId id="262" r:id="rId9"/>
-    <p:sldId id="263" r:id="rId10"/>
-    <p:sldId id="264" r:id="rId11"/>
-    <p:sldId id="266" r:id="rId12"/>
-    <p:sldId id="267" r:id="rId13"/>
-    <p:sldId id="268" r:id="rId14"/>
-    <p:sldId id="269" r:id="rId15"/>
-    <p:sldId id="270" r:id="rId16"/>
-    <p:sldId id="271" r:id="rId17"/>
-    <p:sldId id="272" r:id="rId18"/>
-    <p:sldId id="273" r:id="rId19"/>
-    <p:sldId id="274" r:id="rId20"/>
-    <p:sldId id="275" r:id="rId21"/>
-    <p:sldId id="276" r:id="rId22"/>
-    <p:sldId id="277" r:id="rId23"/>
-    <p:sldId id="279" r:id="rId24"/>
-    <p:sldId id="278" r:id="rId25"/>
-    <p:sldId id="280" r:id="rId26"/>
-    <p:sldId id="281" r:id="rId27"/>
+    <p:sldId id="261" r:id="rId7"/>
+    <p:sldId id="262" r:id="rId8"/>
+    <p:sldId id="263" r:id="rId9"/>
+    <p:sldId id="264" r:id="rId10"/>
+    <p:sldId id="282" r:id="rId11"/>
+    <p:sldId id="273" r:id="rId12"/>
+    <p:sldId id="274" r:id="rId13"/>
+    <p:sldId id="275" r:id="rId14"/>
+    <p:sldId id="276" r:id="rId15"/>
+    <p:sldId id="277" r:id="rId16"/>
+    <p:sldId id="279" r:id="rId17"/>
+    <p:sldId id="278" r:id="rId18"/>
+    <p:sldId id="280" r:id="rId19"/>
+    <p:sldId id="281" r:id="rId20"/>
   </p:sldIdLst>
   <p:sldSz cx="12192000" cy="6858000"/>
   <p:notesSz cx="6858000" cy="9144000"/>
@@ -5899,7 +5892,7 @@
       </p:grpSpPr>
       <p:sp>
         <p:nvSpPr>
-          <p:cNvPr id="2" name="Title 1"/>
+          <p:cNvPr id="4" name="Title 3"/>
           <p:cNvSpPr>
             <a:spLocks noGrp="1"/>
           </p:cNvSpPr>
@@ -5914,7 +5907,7 @@
           <a:p>
             <a:r>
               <a:rPr lang="en-GB" dirty="0" smtClean="0"/>
-              <a:t>System Design</a:t>
+              <a:t>Data/Service/Presentation Diagram</a:t>
             </a:r>
             <a:endParaRPr lang="en-GB" dirty="0"/>
           </a:p>
@@ -5923,7 +5916,7 @@
     </p:spTree>
     <p:extLst>
       <p:ext uri="{BB962C8B-B14F-4D97-AF65-F5344CB8AC3E}">
-        <p14:creationId xmlns:p14="http://schemas.microsoft.com/office/powerpoint/2010/main" val="1880686652"/>
+        <p14:creationId xmlns:p14="http://schemas.microsoft.com/office/powerpoint/2010/main" val="1566646560"/>
       </p:ext>
     </p:extLst>
   </p:cSld>
@@ -5952,7 +5945,7 @@
       </p:grpSpPr>
       <p:sp>
         <p:nvSpPr>
-          <p:cNvPr id="9" name="Title 3"/>
+          <p:cNvPr id="5" name="Title 4"/>
           <p:cNvSpPr>
             <a:spLocks noGrp="1"/>
           </p:cNvSpPr>
@@ -5960,94 +5953,23 @@
             <p:ph type="title"/>
           </p:nvPr>
         </p:nvSpPr>
-        <p:spPr>
-          <a:xfrm>
-            <a:off x="646111" y="452718"/>
-            <a:ext cx="9404723" cy="1400530"/>
-          </a:xfrm>
-        </p:spPr>
+        <p:spPr/>
         <p:txBody>
           <a:bodyPr/>
           <a:lstStyle/>
           <a:p>
             <a:r>
               <a:rPr lang="en-GB" dirty="0" smtClean="0"/>
-              <a:t>Development Practices</a:t>
+              <a:t>Implementation</a:t>
             </a:r>
             <a:endParaRPr lang="en-GB" dirty="0"/>
-          </a:p>
-        </p:txBody>
-      </p:sp>
-      <p:sp>
-        <p:nvSpPr>
-          <p:cNvPr id="10" name="Content Placeholder 6"/>
-          <p:cNvSpPr>
-            <a:spLocks noGrp="1"/>
-          </p:cNvSpPr>
-          <p:nvPr>
-            <p:ph sz="half" idx="1"/>
-          </p:nvPr>
-        </p:nvSpPr>
-        <p:spPr>
-          <a:xfrm>
-            <a:off x="1103312" y="2060575"/>
-            <a:ext cx="4396339" cy="4195763"/>
-          </a:xfrm>
-        </p:spPr>
-        <p:txBody>
-          <a:bodyPr anchor="ctr"/>
-          <a:lstStyle/>
-          <a:p>
-            <a:r>
-              <a:rPr lang="en-GB" dirty="0" smtClean="0"/>
-              <a:t>Agile Development</a:t>
-            </a:r>
-          </a:p>
-          <a:p>
-            <a:pPr lvl="1"/>
-            <a:r>
-              <a:rPr lang="en-GB" dirty="0" smtClean="0"/>
-              <a:t>Scrum Meetings</a:t>
-            </a:r>
-          </a:p>
-          <a:p>
-            <a:pPr lvl="1"/>
-            <a:r>
-              <a:rPr lang="en-GB" dirty="0" smtClean="0"/>
-              <a:t>Sprints</a:t>
-            </a:r>
-          </a:p>
-          <a:p>
-            <a:pPr lvl="1"/>
-            <a:r>
-              <a:rPr lang="en-GB" dirty="0" smtClean="0"/>
-              <a:t>Multiple Projects</a:t>
-            </a:r>
-          </a:p>
-          <a:p>
-            <a:pPr lvl="1"/>
-            <a:r>
-              <a:rPr lang="en-GB" dirty="0" smtClean="0"/>
-              <a:t>Sprint Retrospectives</a:t>
-            </a:r>
-          </a:p>
-          <a:p>
-            <a:pPr lvl="2"/>
-            <a:r>
-              <a:rPr lang="en-GB" dirty="0" smtClean="0"/>
-              <a:t>Demo Soon!</a:t>
-            </a:r>
-          </a:p>
-          <a:p>
-            <a:pPr lvl="1"/>
-            <a:endParaRPr lang="en-GB" dirty="0" smtClean="0"/>
           </a:p>
         </p:txBody>
       </p:sp>
     </p:spTree>
     <p:extLst>
       <p:ext uri="{BB962C8B-B14F-4D97-AF65-F5344CB8AC3E}">
-        <p14:creationId xmlns:p14="http://schemas.microsoft.com/office/powerpoint/2010/main" val="3962470831"/>
+        <p14:creationId xmlns:p14="http://schemas.microsoft.com/office/powerpoint/2010/main" val="70043433"/>
       </p:ext>
     </p:extLst>
   </p:cSld>
@@ -6076,7 +5998,7 @@
       </p:grpSpPr>
       <p:sp>
         <p:nvSpPr>
-          <p:cNvPr id="6" name="Title 3"/>
+          <p:cNvPr id="4" name="Title 3"/>
           <p:cNvSpPr>
             <a:spLocks noGrp="1"/>
           </p:cNvSpPr>
@@ -6084,19 +6006,14 @@
             <p:ph type="title"/>
           </p:nvPr>
         </p:nvSpPr>
-        <p:spPr>
-          <a:xfrm>
-            <a:off x="646111" y="452718"/>
-            <a:ext cx="9404723" cy="1400530"/>
-          </a:xfrm>
-        </p:spPr>
+        <p:spPr/>
         <p:txBody>
           <a:bodyPr/>
           <a:lstStyle/>
           <a:p>
             <a:r>
               <a:rPr lang="en-GB" dirty="0" smtClean="0"/>
-              <a:t>Design Patterns</a:t>
+              <a:t>System Security</a:t>
             </a:r>
             <a:endParaRPr lang="en-GB" dirty="0"/>
           </a:p>
@@ -6104,7 +6021,7 @@
       </p:sp>
       <p:sp>
         <p:nvSpPr>
-          <p:cNvPr id="7" name="Content Placeholder 6"/>
+          <p:cNvPr id="5" name="Content Placeholder 4"/>
           <p:cNvSpPr>
             <a:spLocks noGrp="1"/>
           </p:cNvSpPr>
@@ -6112,52 +6029,56 @@
             <p:ph sz="half" idx="1"/>
           </p:nvPr>
         </p:nvSpPr>
-        <p:spPr>
-          <a:xfrm>
-            <a:off x="1103312" y="2060575"/>
-            <a:ext cx="4396339" cy="4195763"/>
-          </a:xfrm>
-        </p:spPr>
+        <p:spPr/>
         <p:txBody>
           <a:bodyPr anchor="ctr"/>
           <a:lstStyle/>
           <a:p>
             <a:r>
               <a:rPr lang="en-GB" dirty="0" smtClean="0"/>
-              <a:t>MVC</a:t>
+              <a:t>Password Encryption</a:t>
             </a:r>
           </a:p>
           <a:p>
             <a:pPr lvl="1"/>
             <a:r>
               <a:rPr lang="en-GB" dirty="0" smtClean="0"/>
-              <a:t>Model</a:t>
+              <a:t>Desktop App</a:t>
+            </a:r>
+          </a:p>
+          <a:p>
+            <a:pPr lvl="2"/>
+            <a:r>
+              <a:rPr lang="en-GB" dirty="0" smtClean="0"/>
+              <a:t>Encryption Class</a:t>
             </a:r>
           </a:p>
           <a:p>
             <a:pPr lvl="1"/>
             <a:r>
               <a:rPr lang="en-GB" dirty="0" smtClean="0"/>
-              <a:t>View</a:t>
-            </a:r>
-          </a:p>
-          <a:p>
-            <a:pPr lvl="1"/>
+              <a:t>Through SQL</a:t>
+            </a:r>
+          </a:p>
+          <a:p>
+            <a:pPr lvl="2"/>
             <a:r>
               <a:rPr lang="en-GB" dirty="0" smtClean="0"/>
-              <a:t>Controller</a:t>
-            </a:r>
-            <a:endParaRPr lang="en-GB" dirty="0" smtClean="0"/>
+              <a:t>SHA1() Function</a:t>
+            </a:r>
+            <a:endParaRPr lang="en-GB" dirty="0"/>
           </a:p>
         </p:txBody>
       </p:sp>
       <p:pic>
         <p:nvPicPr>
-          <p:cNvPr id="8" name="Picture 2" descr="http://www.doolwind.com/images/blog/MVC.png"/>
+          <p:cNvPr id="1026" name="Picture 2" descr="http://www.technologytell.com/apple/files/2012/05/dropkey.png"/>
           <p:cNvPicPr>
-            <a:picLocks noChangeAspect="1" noChangeArrowheads="1"/>
+            <a:picLocks noGrp="1" noChangeAspect="1" noChangeArrowheads="1"/>
           </p:cNvPicPr>
-          <p:nvPr/>
+          <p:nvPr>
+            <p:ph sz="half" idx="2"/>
+          </p:nvPr>
         </p:nvPicPr>
         <p:blipFill>
           <a:blip r:embed="rId2">
@@ -6174,8 +6095,8 @@
         </p:blipFill>
         <p:spPr bwMode="auto">
           <a:xfrm>
-            <a:off x="6277096" y="1390478"/>
-            <a:ext cx="4357953" cy="4499183"/>
+            <a:off x="5650750" y="2160589"/>
+            <a:ext cx="3128211" cy="3128211"/>
           </a:xfrm>
           <a:prstGeom prst="rect">
             <a:avLst/>
@@ -6195,7 +6116,7 @@
     </p:spTree>
     <p:extLst>
       <p:ext uri="{BB962C8B-B14F-4D97-AF65-F5344CB8AC3E}">
-        <p14:creationId xmlns:p14="http://schemas.microsoft.com/office/powerpoint/2010/main" val="2104504108"/>
+        <p14:creationId xmlns:p14="http://schemas.microsoft.com/office/powerpoint/2010/main" val="1638683128"/>
       </p:ext>
     </p:extLst>
   </p:cSld>
@@ -6224,7 +6145,7 @@
       </p:grpSpPr>
       <p:sp>
         <p:nvSpPr>
-          <p:cNvPr id="5" name="Title 1"/>
+          <p:cNvPr id="4" name="Title 3"/>
           <p:cNvSpPr>
             <a:spLocks noGrp="1"/>
           </p:cNvSpPr>
@@ -6232,19 +6153,14 @@
             <p:ph type="title"/>
           </p:nvPr>
         </p:nvSpPr>
-        <p:spPr>
-          <a:xfrm>
-            <a:off x="646111" y="452718"/>
-            <a:ext cx="9404723" cy="1400530"/>
-          </a:xfrm>
-        </p:spPr>
+        <p:spPr/>
         <p:txBody>
           <a:bodyPr/>
           <a:lstStyle/>
           <a:p>
             <a:r>
               <a:rPr lang="en-GB" dirty="0" smtClean="0"/>
-              <a:t>Utilised Tools</a:t>
+              <a:t>MySQL Database</a:t>
             </a:r>
             <a:endParaRPr lang="en-GB" dirty="0"/>
           </a:p>
@@ -6252,7 +6168,7 @@
       </p:sp>
       <p:sp>
         <p:nvSpPr>
-          <p:cNvPr id="6" name="Content Placeholder 2"/>
+          <p:cNvPr id="5" name="Content Placeholder 4"/>
           <p:cNvSpPr>
             <a:spLocks noGrp="1"/>
           </p:cNvSpPr>
@@ -6260,87 +6176,68 @@
             <p:ph sz="half" idx="1"/>
           </p:nvPr>
         </p:nvSpPr>
-        <p:spPr>
-          <a:xfrm>
-            <a:off x="1103312" y="2060575"/>
-            <a:ext cx="4396339" cy="4195763"/>
-          </a:xfrm>
-        </p:spPr>
+        <p:spPr/>
         <p:txBody>
           <a:bodyPr anchor="ctr"/>
           <a:lstStyle/>
           <a:p>
             <a:r>
               <a:rPr lang="en-GB" dirty="0" smtClean="0"/>
-              <a:t>Development Environment</a:t>
+              <a:t>Connection</a:t>
             </a:r>
           </a:p>
           <a:p>
             <a:pPr lvl="1"/>
             <a:r>
               <a:rPr lang="en-GB" dirty="0" smtClean="0"/>
-              <a:t>Git</a:t>
+              <a:t>Java</a:t>
+            </a:r>
+          </a:p>
+          <a:p>
+            <a:r>
+              <a:rPr lang="en-GB" dirty="0" smtClean="0"/>
+              <a:t>CRUD</a:t>
             </a:r>
           </a:p>
           <a:p>
             <a:pPr lvl="1"/>
             <a:r>
-              <a:rPr lang="en-GB" dirty="0" err="1" smtClean="0"/>
-              <a:t>Jira</a:t>
-            </a:r>
-            <a:endParaRPr lang="en-GB" dirty="0" smtClean="0"/>
+              <a:rPr lang="en-GB" dirty="0" smtClean="0"/>
+              <a:t>Create</a:t>
+            </a:r>
           </a:p>
           <a:p>
             <a:pPr lvl="1"/>
             <a:r>
               <a:rPr lang="en-GB" dirty="0" smtClean="0"/>
-              <a:t>Maven</a:t>
+              <a:t>Read</a:t>
             </a:r>
           </a:p>
           <a:p>
             <a:pPr lvl="1"/>
             <a:r>
-              <a:rPr lang="en-GB" dirty="0" err="1" smtClean="0"/>
-              <a:t>Docker</a:t>
-            </a:r>
-            <a:endParaRPr lang="en-GB" dirty="0" smtClean="0"/>
-          </a:p>
-          <a:p>
-            <a:r>
               <a:rPr lang="en-GB" dirty="0" smtClean="0"/>
-              <a:t>Libraries and Frameworks</a:t>
+              <a:t>Update</a:t>
             </a:r>
           </a:p>
           <a:p>
             <a:pPr lvl="1"/>
             <a:r>
               <a:rPr lang="en-GB" dirty="0" smtClean="0"/>
-              <a:t>Spring</a:t>
-            </a:r>
-          </a:p>
-          <a:p>
-            <a:pPr lvl="1"/>
-            <a:r>
-              <a:rPr lang="en-GB" dirty="0" smtClean="0"/>
-              <a:t>Bootstrap</a:t>
-            </a:r>
-          </a:p>
-          <a:p>
-            <a:pPr lvl="1"/>
-            <a:r>
-              <a:rPr lang="en-GB" dirty="0" smtClean="0"/>
-              <a:t>Swing</a:t>
+              <a:t>Delete</a:t>
             </a:r>
           </a:p>
         </p:txBody>
       </p:sp>
       <p:pic>
         <p:nvPicPr>
-          <p:cNvPr id="7" name="Picture 2" descr="http://pngimg.com/upload/wrench_PNG1116.png"/>
+          <p:cNvPr id="2052" name="Picture 4" descr="http://1426826955.rsc.cdn77.org/wp-content/uploads/2015/03/mysql.jpg"/>
           <p:cNvPicPr>
-            <a:picLocks noChangeAspect="1" noChangeArrowheads="1"/>
+            <a:picLocks noGrp="1" noChangeAspect="1" noChangeArrowheads="1"/>
           </p:cNvPicPr>
-          <p:nvPr/>
+          <p:nvPr>
+            <p:ph sz="half" idx="2"/>
+          </p:nvPr>
         </p:nvPicPr>
         <p:blipFill>
           <a:blip r:embed="rId2">
@@ -6357,8 +6254,8 @@
         </p:blipFill>
         <p:spPr bwMode="auto">
           <a:xfrm>
-            <a:off x="5569450" y="2060575"/>
-            <a:ext cx="4481384" cy="3361038"/>
+            <a:off x="5089525" y="3171384"/>
+            <a:ext cx="4184650" cy="1859844"/>
           </a:xfrm>
           <a:prstGeom prst="rect">
             <a:avLst/>
@@ -6378,7 +6275,7 @@
     </p:spTree>
     <p:extLst>
       <p:ext uri="{BB962C8B-B14F-4D97-AF65-F5344CB8AC3E}">
-        <p14:creationId xmlns:p14="http://schemas.microsoft.com/office/powerpoint/2010/main" val="3012950814"/>
+        <p14:creationId xmlns:p14="http://schemas.microsoft.com/office/powerpoint/2010/main" val="1379737632"/>
       </p:ext>
     </p:extLst>
   </p:cSld>
@@ -6407,974 +6304,6 @@
       </p:grpSpPr>
       <p:sp>
         <p:nvSpPr>
-          <p:cNvPr id="2" name="Title 1"/>
-          <p:cNvSpPr>
-            <a:spLocks noGrp="1"/>
-          </p:cNvSpPr>
-          <p:nvPr>
-            <p:ph type="title"/>
-          </p:nvPr>
-        </p:nvSpPr>
-        <p:spPr/>
-        <p:txBody>
-          <a:bodyPr/>
-          <a:lstStyle/>
-          <a:p>
-            <a:r>
-              <a:rPr lang="en-GB" dirty="0" smtClean="0"/>
-              <a:t>Issue Count</a:t>
-            </a:r>
-            <a:endParaRPr lang="en-GB" dirty="0"/>
-          </a:p>
-        </p:txBody>
-      </p:sp>
-      <p:pic>
-        <p:nvPicPr>
-          <p:cNvPr id="5" name="Picture 4"/>
-          <p:cNvPicPr>
-            <a:picLocks noChangeAspect="1"/>
-          </p:cNvPicPr>
-          <p:nvPr/>
-        </p:nvPicPr>
-        <p:blipFill rotWithShape="1">
-          <a:blip r:embed="rId2"/>
-          <a:srcRect l="2916" t="37778" b="9723"/>
-          <a:stretch/>
-        </p:blipFill>
-        <p:spPr>
-          <a:xfrm>
-            <a:off x="396995" y="2057913"/>
-            <a:ext cx="11398009" cy="3467099"/>
-          </a:xfrm>
-          <a:prstGeom prst="rect">
-            <a:avLst/>
-          </a:prstGeom>
-        </p:spPr>
-      </p:pic>
-    </p:spTree>
-    <p:extLst>
-      <p:ext uri="{BB962C8B-B14F-4D97-AF65-F5344CB8AC3E}">
-        <p14:creationId xmlns:p14="http://schemas.microsoft.com/office/powerpoint/2010/main" val="2590265768"/>
-      </p:ext>
-    </p:extLst>
-  </p:cSld>
-  <p:clrMapOvr>
-    <a:masterClrMapping/>
-  </p:clrMapOvr>
-  <p:timing>
-    <p:tnLst>
-      <p:par>
-        <p:cTn id="1" dur="indefinite" restart="never" nodeType="tmRoot"/>
-      </p:par>
-    </p:tnLst>
-  </p:timing>
-</p:sld>
-</file>
-
-<file path=ppt/slides/slide15.xml><?xml version="1.0" encoding="utf-8"?>
-<p:sld xmlns:a="http://schemas.openxmlformats.org/drawingml/2006/main" xmlns:r="http://schemas.openxmlformats.org/officeDocument/2006/relationships" xmlns:p="http://schemas.openxmlformats.org/presentationml/2006/main">
-  <p:cSld>
-    <p:spTree>
-      <p:nvGrpSpPr>
-        <p:cNvPr id="1" name=""/>
-        <p:cNvGrpSpPr/>
-        <p:nvPr/>
-      </p:nvGrpSpPr>
-      <p:grpSpPr>
-        <a:xfrm>
-          <a:off x="0" y="0"/>
-          <a:ext cx="0" cy="0"/>
-          <a:chOff x="0" y="0"/>
-          <a:chExt cx="0" cy="0"/>
-        </a:xfrm>
-      </p:grpSpPr>
-      <p:sp>
-        <p:nvSpPr>
-          <p:cNvPr id="2" name="Title 1"/>
-          <p:cNvSpPr>
-            <a:spLocks noGrp="1"/>
-          </p:cNvSpPr>
-          <p:nvPr>
-            <p:ph type="title"/>
-          </p:nvPr>
-        </p:nvSpPr>
-        <p:spPr/>
-        <p:txBody>
-          <a:bodyPr/>
-          <a:lstStyle/>
-          <a:p>
-            <a:r>
-              <a:rPr lang="en-GB" dirty="0" smtClean="0"/>
-              <a:t>Class Diagrams</a:t>
-            </a:r>
-            <a:endParaRPr lang="en-GB" dirty="0"/>
-          </a:p>
-        </p:txBody>
-      </p:sp>
-      <p:pic>
-        <p:nvPicPr>
-          <p:cNvPr id="7" name="Picture 6"/>
-          <p:cNvPicPr>
-            <a:picLocks noChangeAspect="1"/>
-          </p:cNvPicPr>
-          <p:nvPr/>
-        </p:nvPicPr>
-        <p:blipFill rotWithShape="1">
-          <a:blip r:embed="rId2">
-            <a:extLst>
-              <a:ext uri="{28A0092B-C50C-407E-A947-70E740481C1C}">
-                <a14:useLocalDpi xmlns:a14="http://schemas.microsoft.com/office/drawing/2010/main" val="0"/>
-              </a:ext>
-            </a:extLst>
-          </a:blip>
-          <a:srcRect t="67988"/>
-          <a:stretch/>
-        </p:blipFill>
-        <p:spPr>
-          <a:xfrm>
-            <a:off x="1223618" y="1340216"/>
-            <a:ext cx="9744764" cy="4798003"/>
-          </a:xfrm>
-          <a:prstGeom prst="rect">
-            <a:avLst/>
-          </a:prstGeom>
-        </p:spPr>
-      </p:pic>
-      <p:sp>
-        <p:nvSpPr>
-          <p:cNvPr id="8" name="TextBox 7"/>
-          <p:cNvSpPr txBox="1"/>
-          <p:nvPr/>
-        </p:nvSpPr>
-        <p:spPr>
-          <a:xfrm>
-            <a:off x="8957316" y="6138219"/>
-            <a:ext cx="1955875" cy="369332"/>
-          </a:xfrm>
-          <a:prstGeom prst="rect">
-            <a:avLst/>
-          </a:prstGeom>
-          <a:noFill/>
-        </p:spPr>
-        <p:txBody>
-          <a:bodyPr wrap="square" rtlCol="0">
-            <a:spAutoFit/>
-          </a:bodyPr>
-          <a:lstStyle/>
-          <a:p>
-            <a:r>
-              <a:rPr lang="en-GB" dirty="0" smtClean="0"/>
-              <a:t>HTML Web App</a:t>
-            </a:r>
-            <a:endParaRPr lang="en-GB" dirty="0"/>
-          </a:p>
-        </p:txBody>
-      </p:sp>
-    </p:spTree>
-    <p:extLst>
-      <p:ext uri="{BB962C8B-B14F-4D97-AF65-F5344CB8AC3E}">
-        <p14:creationId xmlns:p14="http://schemas.microsoft.com/office/powerpoint/2010/main" val="3967183090"/>
-      </p:ext>
-    </p:extLst>
-  </p:cSld>
-  <p:clrMapOvr>
-    <a:masterClrMapping/>
-  </p:clrMapOvr>
-  <p:timing>
-    <p:tnLst>
-      <p:par>
-        <p:cTn id="1" dur="indefinite" restart="never" nodeType="tmRoot"/>
-      </p:par>
-    </p:tnLst>
-  </p:timing>
-</p:sld>
-</file>
-
-<file path=ppt/slides/slide16.xml><?xml version="1.0" encoding="utf-8"?>
-<p:sld xmlns:a="http://schemas.openxmlformats.org/drawingml/2006/main" xmlns:r="http://schemas.openxmlformats.org/officeDocument/2006/relationships" xmlns:p="http://schemas.openxmlformats.org/presentationml/2006/main">
-  <p:cSld>
-    <p:spTree>
-      <p:nvGrpSpPr>
-        <p:cNvPr id="1" name=""/>
-        <p:cNvGrpSpPr/>
-        <p:nvPr/>
-      </p:nvGrpSpPr>
-      <p:grpSpPr>
-        <a:xfrm>
-          <a:off x="0" y="0"/>
-          <a:ext cx="0" cy="0"/>
-          <a:chOff x="0" y="0"/>
-          <a:chExt cx="0" cy="0"/>
-        </a:xfrm>
-      </p:grpSpPr>
-      <p:sp>
-        <p:nvSpPr>
-          <p:cNvPr id="2" name="Title 1"/>
-          <p:cNvSpPr>
-            <a:spLocks noGrp="1"/>
-          </p:cNvSpPr>
-          <p:nvPr>
-            <p:ph type="title"/>
-          </p:nvPr>
-        </p:nvSpPr>
-        <p:spPr/>
-        <p:txBody>
-          <a:bodyPr/>
-          <a:lstStyle/>
-          <a:p>
-            <a:r>
-              <a:rPr lang="en-GB" dirty="0" smtClean="0"/>
-              <a:t>Class Diagrams</a:t>
-            </a:r>
-            <a:endParaRPr lang="en-GB" dirty="0"/>
-          </a:p>
-        </p:txBody>
-      </p:sp>
-      <p:pic>
-        <p:nvPicPr>
-          <p:cNvPr id="5" name="Picture 4"/>
-          <p:cNvPicPr>
-            <a:picLocks noChangeAspect="1"/>
-          </p:cNvPicPr>
-          <p:nvPr/>
-        </p:nvPicPr>
-        <p:blipFill rotWithShape="1">
-          <a:blip r:embed="rId2">
-            <a:extLst>
-              <a:ext uri="{28A0092B-C50C-407E-A947-70E740481C1C}">
-                <a14:useLocalDpi xmlns:a14="http://schemas.microsoft.com/office/drawing/2010/main" val="0"/>
-              </a:ext>
-            </a:extLst>
-          </a:blip>
-          <a:srcRect l="5474" r="18038" b="41141"/>
-          <a:stretch/>
-        </p:blipFill>
-        <p:spPr>
-          <a:xfrm>
-            <a:off x="3646486" y="1305814"/>
-            <a:ext cx="4393269" cy="5199761"/>
-          </a:xfrm>
-          <a:prstGeom prst="rect">
-            <a:avLst/>
-          </a:prstGeom>
-        </p:spPr>
-      </p:pic>
-      <p:sp>
-        <p:nvSpPr>
-          <p:cNvPr id="6" name="TextBox 5"/>
-          <p:cNvSpPr txBox="1"/>
-          <p:nvPr/>
-        </p:nvSpPr>
-        <p:spPr>
-          <a:xfrm>
-            <a:off x="8039755" y="6136243"/>
-            <a:ext cx="3146854" cy="369332"/>
-          </a:xfrm>
-          <a:prstGeom prst="rect">
-            <a:avLst/>
-          </a:prstGeom>
-          <a:noFill/>
-        </p:spPr>
-        <p:txBody>
-          <a:bodyPr wrap="square" rtlCol="0">
-            <a:spAutoFit/>
-          </a:bodyPr>
-          <a:lstStyle/>
-          <a:p>
-            <a:r>
-              <a:rPr lang="en-GB" dirty="0" smtClean="0"/>
-              <a:t>Java Desktop App</a:t>
-            </a:r>
-            <a:endParaRPr lang="en-GB" dirty="0"/>
-          </a:p>
-        </p:txBody>
-      </p:sp>
-    </p:spTree>
-    <p:extLst>
-      <p:ext uri="{BB962C8B-B14F-4D97-AF65-F5344CB8AC3E}">
-        <p14:creationId xmlns:p14="http://schemas.microsoft.com/office/powerpoint/2010/main" val="3888943597"/>
-      </p:ext>
-    </p:extLst>
-  </p:cSld>
-  <p:clrMapOvr>
-    <a:masterClrMapping/>
-  </p:clrMapOvr>
-  <p:timing>
-    <p:tnLst>
-      <p:par>
-        <p:cTn id="1" dur="indefinite" restart="never" nodeType="tmRoot"/>
-      </p:par>
-    </p:tnLst>
-  </p:timing>
-</p:sld>
-</file>
-
-<file path=ppt/slides/slide17.xml><?xml version="1.0" encoding="utf-8"?>
-<p:sld xmlns:a="http://schemas.openxmlformats.org/drawingml/2006/main" xmlns:r="http://schemas.openxmlformats.org/officeDocument/2006/relationships" xmlns:p="http://schemas.openxmlformats.org/presentationml/2006/main">
-  <p:cSld>
-    <p:spTree>
-      <p:nvGrpSpPr>
-        <p:cNvPr id="1" name=""/>
-        <p:cNvGrpSpPr/>
-        <p:nvPr/>
-      </p:nvGrpSpPr>
-      <p:grpSpPr>
-        <a:xfrm>
-          <a:off x="0" y="0"/>
-          <a:ext cx="0" cy="0"/>
-          <a:chOff x="0" y="0"/>
-          <a:chExt cx="0" cy="0"/>
-        </a:xfrm>
-      </p:grpSpPr>
-      <p:sp>
-        <p:nvSpPr>
-          <p:cNvPr id="2" name="Title 1"/>
-          <p:cNvSpPr>
-            <a:spLocks noGrp="1"/>
-          </p:cNvSpPr>
-          <p:nvPr>
-            <p:ph type="title"/>
-          </p:nvPr>
-        </p:nvSpPr>
-        <p:spPr/>
-        <p:txBody>
-          <a:bodyPr/>
-          <a:lstStyle/>
-          <a:p>
-            <a:r>
-              <a:rPr lang="en-GB" dirty="0" smtClean="0"/>
-              <a:t>Wireframes</a:t>
-            </a:r>
-            <a:endParaRPr lang="en-GB" dirty="0"/>
-          </a:p>
-        </p:txBody>
-      </p:sp>
-      <p:pic>
-        <p:nvPicPr>
-          <p:cNvPr id="5" name="Picture 4"/>
-          <p:cNvPicPr>
-            <a:picLocks noChangeAspect="1"/>
-          </p:cNvPicPr>
-          <p:nvPr/>
-        </p:nvPicPr>
-        <p:blipFill>
-          <a:blip r:embed="rId2">
-            <a:extLst>
-              <a:ext uri="{28A0092B-C50C-407E-A947-70E740481C1C}">
-                <a14:useLocalDpi xmlns:a14="http://schemas.microsoft.com/office/drawing/2010/main" val="0"/>
-              </a:ext>
-            </a:extLst>
-          </a:blip>
-          <a:stretch>
-            <a:fillRect/>
-          </a:stretch>
-        </p:blipFill>
-        <p:spPr>
-          <a:xfrm>
-            <a:off x="779461" y="1853248"/>
-            <a:ext cx="4725989" cy="3535417"/>
-          </a:xfrm>
-          <a:prstGeom prst="rect">
-            <a:avLst/>
-          </a:prstGeom>
-        </p:spPr>
-      </p:pic>
-      <p:pic>
-        <p:nvPicPr>
-          <p:cNvPr id="6" name="Picture 5"/>
-          <p:cNvPicPr>
-            <a:picLocks noChangeAspect="1"/>
-          </p:cNvPicPr>
-          <p:nvPr/>
-        </p:nvPicPr>
-        <p:blipFill>
-          <a:blip r:embed="rId3">
-            <a:extLst>
-              <a:ext uri="{28A0092B-C50C-407E-A947-70E740481C1C}">
-                <a14:useLocalDpi xmlns:a14="http://schemas.microsoft.com/office/drawing/2010/main" val="0"/>
-              </a:ext>
-            </a:extLst>
-          </a:blip>
-          <a:stretch>
-            <a:fillRect/>
-          </a:stretch>
-        </p:blipFill>
-        <p:spPr>
-          <a:xfrm>
-            <a:off x="6286499" y="1853248"/>
-            <a:ext cx="5008507" cy="3535417"/>
-          </a:xfrm>
-          <a:prstGeom prst="rect">
-            <a:avLst/>
-          </a:prstGeom>
-        </p:spPr>
-      </p:pic>
-      <p:sp>
-        <p:nvSpPr>
-          <p:cNvPr id="7" name="TextBox 6"/>
-          <p:cNvSpPr txBox="1"/>
-          <p:nvPr/>
-        </p:nvSpPr>
-        <p:spPr>
-          <a:xfrm>
-            <a:off x="2455647" y="5388665"/>
-            <a:ext cx="7478928" cy="369332"/>
-          </a:xfrm>
-          <a:prstGeom prst="rect">
-            <a:avLst/>
-          </a:prstGeom>
-          <a:noFill/>
-        </p:spPr>
-        <p:txBody>
-          <a:bodyPr wrap="square" rtlCol="0">
-            <a:spAutoFit/>
-          </a:bodyPr>
-          <a:lstStyle/>
-          <a:p>
-            <a:r>
-              <a:rPr lang="en-GB" dirty="0" smtClean="0"/>
-              <a:t>Example wireframes from the web app and desktop respectively</a:t>
-            </a:r>
-            <a:endParaRPr lang="en-GB" dirty="0"/>
-          </a:p>
-        </p:txBody>
-      </p:sp>
-    </p:spTree>
-    <p:extLst>
-      <p:ext uri="{BB962C8B-B14F-4D97-AF65-F5344CB8AC3E}">
-        <p14:creationId xmlns:p14="http://schemas.microsoft.com/office/powerpoint/2010/main" val="2823261829"/>
-      </p:ext>
-    </p:extLst>
-  </p:cSld>
-  <p:clrMapOvr>
-    <a:masterClrMapping/>
-  </p:clrMapOvr>
-  <p:timing>
-    <p:tnLst>
-      <p:par>
-        <p:cTn id="1" dur="indefinite" restart="never" nodeType="tmRoot"/>
-      </p:par>
-    </p:tnLst>
-  </p:timing>
-</p:sld>
-</file>
-
-<file path=ppt/slides/slide18.xml><?xml version="1.0" encoding="utf-8"?>
-<p:sld xmlns:a="http://schemas.openxmlformats.org/drawingml/2006/main" xmlns:r="http://schemas.openxmlformats.org/officeDocument/2006/relationships" xmlns:p="http://schemas.openxmlformats.org/presentationml/2006/main">
-  <p:cSld>
-    <p:spTree>
-      <p:nvGrpSpPr>
-        <p:cNvPr id="1" name=""/>
-        <p:cNvGrpSpPr/>
-        <p:nvPr/>
-      </p:nvGrpSpPr>
-      <p:grpSpPr>
-        <a:xfrm>
-          <a:off x="0" y="0"/>
-          <a:ext cx="0" cy="0"/>
-          <a:chOff x="0" y="0"/>
-          <a:chExt cx="0" cy="0"/>
-        </a:xfrm>
-      </p:grpSpPr>
-      <p:sp>
-        <p:nvSpPr>
-          <p:cNvPr id="5" name="Title 4"/>
-          <p:cNvSpPr>
-            <a:spLocks noGrp="1"/>
-          </p:cNvSpPr>
-          <p:nvPr>
-            <p:ph type="title"/>
-          </p:nvPr>
-        </p:nvSpPr>
-        <p:spPr/>
-        <p:txBody>
-          <a:bodyPr/>
-          <a:lstStyle/>
-          <a:p>
-            <a:r>
-              <a:rPr lang="en-GB" dirty="0" smtClean="0"/>
-              <a:t>Implementation</a:t>
-            </a:r>
-            <a:endParaRPr lang="en-GB" dirty="0"/>
-          </a:p>
-        </p:txBody>
-      </p:sp>
-    </p:spTree>
-    <p:extLst>
-      <p:ext uri="{BB962C8B-B14F-4D97-AF65-F5344CB8AC3E}">
-        <p14:creationId xmlns:p14="http://schemas.microsoft.com/office/powerpoint/2010/main" val="70043433"/>
-      </p:ext>
-    </p:extLst>
-  </p:cSld>
-  <p:clrMapOvr>
-    <a:masterClrMapping/>
-  </p:clrMapOvr>
-</p:sld>
-</file>
-
-<file path=ppt/slides/slide19.xml><?xml version="1.0" encoding="utf-8"?>
-<p:sld xmlns:a="http://schemas.openxmlformats.org/drawingml/2006/main" xmlns:r="http://schemas.openxmlformats.org/officeDocument/2006/relationships" xmlns:p="http://schemas.openxmlformats.org/presentationml/2006/main">
-  <p:cSld>
-    <p:spTree>
-      <p:nvGrpSpPr>
-        <p:cNvPr id="1" name=""/>
-        <p:cNvGrpSpPr/>
-        <p:nvPr/>
-      </p:nvGrpSpPr>
-      <p:grpSpPr>
-        <a:xfrm>
-          <a:off x="0" y="0"/>
-          <a:ext cx="0" cy="0"/>
-          <a:chOff x="0" y="0"/>
-          <a:chExt cx="0" cy="0"/>
-        </a:xfrm>
-      </p:grpSpPr>
-      <p:sp>
-        <p:nvSpPr>
-          <p:cNvPr id="4" name="Title 3"/>
-          <p:cNvSpPr>
-            <a:spLocks noGrp="1"/>
-          </p:cNvSpPr>
-          <p:nvPr>
-            <p:ph type="title"/>
-          </p:nvPr>
-        </p:nvSpPr>
-        <p:spPr/>
-        <p:txBody>
-          <a:bodyPr/>
-          <a:lstStyle/>
-          <a:p>
-            <a:r>
-              <a:rPr lang="en-GB" dirty="0" smtClean="0"/>
-              <a:t>System Security</a:t>
-            </a:r>
-            <a:endParaRPr lang="en-GB" dirty="0"/>
-          </a:p>
-        </p:txBody>
-      </p:sp>
-      <p:sp>
-        <p:nvSpPr>
-          <p:cNvPr id="5" name="Content Placeholder 4"/>
-          <p:cNvSpPr>
-            <a:spLocks noGrp="1"/>
-          </p:cNvSpPr>
-          <p:nvPr>
-            <p:ph sz="half" idx="1"/>
-          </p:nvPr>
-        </p:nvSpPr>
-        <p:spPr/>
-        <p:txBody>
-          <a:bodyPr anchor="ctr"/>
-          <a:lstStyle/>
-          <a:p>
-            <a:r>
-              <a:rPr lang="en-GB" dirty="0" smtClean="0"/>
-              <a:t>Password Encryption</a:t>
-            </a:r>
-          </a:p>
-          <a:p>
-            <a:pPr lvl="1"/>
-            <a:r>
-              <a:rPr lang="en-GB" dirty="0" smtClean="0"/>
-              <a:t>Desktop App</a:t>
-            </a:r>
-          </a:p>
-          <a:p>
-            <a:pPr lvl="2"/>
-            <a:r>
-              <a:rPr lang="en-GB" dirty="0" smtClean="0"/>
-              <a:t>Encryption Class</a:t>
-            </a:r>
-          </a:p>
-          <a:p>
-            <a:pPr lvl="1"/>
-            <a:r>
-              <a:rPr lang="en-GB" dirty="0" smtClean="0"/>
-              <a:t>Through SQL</a:t>
-            </a:r>
-          </a:p>
-          <a:p>
-            <a:pPr lvl="2"/>
-            <a:r>
-              <a:rPr lang="en-GB" dirty="0" smtClean="0"/>
-              <a:t>SHA1() Function</a:t>
-            </a:r>
-            <a:endParaRPr lang="en-GB" dirty="0"/>
-          </a:p>
-        </p:txBody>
-      </p:sp>
-      <p:pic>
-        <p:nvPicPr>
-          <p:cNvPr id="1026" name="Picture 2" descr="http://www.technologytell.com/apple/files/2012/05/dropkey.png"/>
-          <p:cNvPicPr>
-            <a:picLocks noGrp="1" noChangeAspect="1" noChangeArrowheads="1"/>
-          </p:cNvPicPr>
-          <p:nvPr>
-            <p:ph sz="half" idx="2"/>
-          </p:nvPr>
-        </p:nvPicPr>
-        <p:blipFill>
-          <a:blip r:embed="rId2">
-            <a:extLst>
-              <a:ext uri="{28A0092B-C50C-407E-A947-70E740481C1C}">
-                <a14:useLocalDpi xmlns:a14="http://schemas.microsoft.com/office/drawing/2010/main" val="0"/>
-              </a:ext>
-            </a:extLst>
-          </a:blip>
-          <a:srcRect/>
-          <a:stretch>
-            <a:fillRect/>
-          </a:stretch>
-        </p:blipFill>
-        <p:spPr bwMode="auto">
-          <a:xfrm>
-            <a:off x="5650750" y="2160589"/>
-            <a:ext cx="3128211" cy="3128211"/>
-          </a:xfrm>
-          <a:prstGeom prst="rect">
-            <a:avLst/>
-          </a:prstGeom>
-          <a:noFill/>
-          <a:extLst>
-            <a:ext uri="{909E8E84-426E-40DD-AFC4-6F175D3DCCD1}">
-              <a14:hiddenFill xmlns:a14="http://schemas.microsoft.com/office/drawing/2010/main">
-                <a:solidFill>
-                  <a:srgbClr val="FFFFFF"/>
-                </a:solidFill>
-              </a14:hiddenFill>
-            </a:ext>
-          </a:extLst>
-        </p:spPr>
-      </p:pic>
-    </p:spTree>
-    <p:extLst>
-      <p:ext uri="{BB962C8B-B14F-4D97-AF65-F5344CB8AC3E}">
-        <p14:creationId xmlns:p14="http://schemas.microsoft.com/office/powerpoint/2010/main" val="1638683128"/>
-      </p:ext>
-    </p:extLst>
-  </p:cSld>
-  <p:clrMapOvr>
-    <a:masterClrMapping/>
-  </p:clrMapOvr>
-</p:sld>
-</file>
-
-<file path=ppt/slides/slide2.xml><?xml version="1.0" encoding="utf-8"?>
-<p:sld xmlns:a="http://schemas.openxmlformats.org/drawingml/2006/main" xmlns:r="http://schemas.openxmlformats.org/officeDocument/2006/relationships" xmlns:p="http://schemas.openxmlformats.org/presentationml/2006/main">
-  <p:cSld>
-    <p:spTree>
-      <p:nvGrpSpPr>
-        <p:cNvPr id="1" name=""/>
-        <p:cNvGrpSpPr/>
-        <p:nvPr/>
-      </p:nvGrpSpPr>
-      <p:grpSpPr>
-        <a:xfrm>
-          <a:off x="0" y="0"/>
-          <a:ext cx="0" cy="0"/>
-          <a:chOff x="0" y="0"/>
-          <a:chExt cx="0" cy="0"/>
-        </a:xfrm>
-      </p:grpSpPr>
-      <p:sp>
-        <p:nvSpPr>
-          <p:cNvPr id="2" name="Title 1"/>
-          <p:cNvSpPr>
-            <a:spLocks noGrp="1"/>
-          </p:cNvSpPr>
-          <p:nvPr>
-            <p:ph type="title"/>
-          </p:nvPr>
-        </p:nvSpPr>
-        <p:spPr/>
-        <p:txBody>
-          <a:bodyPr/>
-          <a:lstStyle/>
-          <a:p>
-            <a:r>
-              <a:rPr lang="en-GB" dirty="0" smtClean="0"/>
-              <a:t>Initial Investigation</a:t>
-            </a:r>
-            <a:endParaRPr lang="en-GB" dirty="0"/>
-          </a:p>
-        </p:txBody>
-      </p:sp>
-      <p:sp>
-        <p:nvSpPr>
-          <p:cNvPr id="10" name="Content Placeholder 9"/>
-          <p:cNvSpPr>
-            <a:spLocks noGrp="1"/>
-          </p:cNvSpPr>
-          <p:nvPr>
-            <p:ph sz="half" idx="1"/>
-          </p:nvPr>
-        </p:nvSpPr>
-        <p:spPr/>
-        <p:txBody>
-          <a:bodyPr anchor="ctr"/>
-          <a:lstStyle/>
-          <a:p>
-            <a:r>
-              <a:rPr lang="en-GB" dirty="0" smtClean="0"/>
-              <a:t>NB Gardens</a:t>
-            </a:r>
-          </a:p>
-          <a:p>
-            <a:pPr lvl="1"/>
-            <a:r>
-              <a:rPr lang="en-GB" dirty="0" smtClean="0"/>
-              <a:t>Traditional Catalogue Company</a:t>
-            </a:r>
-          </a:p>
-          <a:p>
-            <a:r>
-              <a:rPr lang="en-GB" dirty="0" smtClean="0"/>
-              <a:t>Interviews</a:t>
-            </a:r>
-          </a:p>
-          <a:p>
-            <a:pPr lvl="1"/>
-            <a:r>
-              <a:rPr lang="en-GB" dirty="0" smtClean="0"/>
-              <a:t>Senior Management</a:t>
-            </a:r>
-          </a:p>
-          <a:p>
-            <a:pPr lvl="1"/>
-            <a:r>
-              <a:rPr lang="en-GB" dirty="0" smtClean="0"/>
-              <a:t>Lower Level Employees</a:t>
-            </a:r>
-          </a:p>
-          <a:p>
-            <a:r>
-              <a:rPr lang="en-GB" dirty="0" smtClean="0"/>
-              <a:t>Architect the Business</a:t>
-            </a:r>
-            <a:endParaRPr lang="en-GB" dirty="0"/>
-          </a:p>
-        </p:txBody>
-      </p:sp>
-      <p:pic>
-        <p:nvPicPr>
-          <p:cNvPr id="12" name="Content Placeholder 11"/>
-          <p:cNvPicPr>
-            <a:picLocks noGrp="1" noChangeAspect="1"/>
-          </p:cNvPicPr>
-          <p:nvPr>
-            <p:ph sz="half" idx="2"/>
-          </p:nvPr>
-        </p:nvPicPr>
-        <p:blipFill>
-          <a:blip r:embed="rId2">
-            <a:extLst>
-              <a:ext uri="{28A0092B-C50C-407E-A947-70E740481C1C}">
-                <a14:useLocalDpi xmlns:a14="http://schemas.microsoft.com/office/drawing/2010/main" val="0"/>
-              </a:ext>
-            </a:extLst>
-          </a:blip>
-          <a:stretch>
-            <a:fillRect/>
-          </a:stretch>
-        </p:blipFill>
-        <p:spPr>
-          <a:xfrm>
-            <a:off x="5241131" y="2160588"/>
-            <a:ext cx="3881437" cy="3881437"/>
-          </a:xfrm>
-        </p:spPr>
-      </p:pic>
-    </p:spTree>
-    <p:extLst>
-      <p:ext uri="{BB962C8B-B14F-4D97-AF65-F5344CB8AC3E}">
-        <p14:creationId xmlns:p14="http://schemas.microsoft.com/office/powerpoint/2010/main" val="3188887364"/>
-      </p:ext>
-    </p:extLst>
-  </p:cSld>
-  <p:clrMapOvr>
-    <a:masterClrMapping/>
-  </p:clrMapOvr>
-</p:sld>
-</file>
-
-<file path=ppt/slides/slide20.xml><?xml version="1.0" encoding="utf-8"?>
-<p:sld xmlns:a="http://schemas.openxmlformats.org/drawingml/2006/main" xmlns:r="http://schemas.openxmlformats.org/officeDocument/2006/relationships" xmlns:p="http://schemas.openxmlformats.org/presentationml/2006/main">
-  <p:cSld>
-    <p:spTree>
-      <p:nvGrpSpPr>
-        <p:cNvPr id="1" name=""/>
-        <p:cNvGrpSpPr/>
-        <p:nvPr/>
-      </p:nvGrpSpPr>
-      <p:grpSpPr>
-        <a:xfrm>
-          <a:off x="0" y="0"/>
-          <a:ext cx="0" cy="0"/>
-          <a:chOff x="0" y="0"/>
-          <a:chExt cx="0" cy="0"/>
-        </a:xfrm>
-      </p:grpSpPr>
-      <p:sp>
-        <p:nvSpPr>
-          <p:cNvPr id="4" name="Title 3"/>
-          <p:cNvSpPr>
-            <a:spLocks noGrp="1"/>
-          </p:cNvSpPr>
-          <p:nvPr>
-            <p:ph type="title"/>
-          </p:nvPr>
-        </p:nvSpPr>
-        <p:spPr/>
-        <p:txBody>
-          <a:bodyPr/>
-          <a:lstStyle/>
-          <a:p>
-            <a:r>
-              <a:rPr lang="en-GB" dirty="0" smtClean="0"/>
-              <a:t>MySQL Database</a:t>
-            </a:r>
-            <a:endParaRPr lang="en-GB" dirty="0"/>
-          </a:p>
-        </p:txBody>
-      </p:sp>
-      <p:sp>
-        <p:nvSpPr>
-          <p:cNvPr id="5" name="Content Placeholder 4"/>
-          <p:cNvSpPr>
-            <a:spLocks noGrp="1"/>
-          </p:cNvSpPr>
-          <p:nvPr>
-            <p:ph sz="half" idx="1"/>
-          </p:nvPr>
-        </p:nvSpPr>
-        <p:spPr/>
-        <p:txBody>
-          <a:bodyPr anchor="ctr"/>
-          <a:lstStyle/>
-          <a:p>
-            <a:r>
-              <a:rPr lang="en-GB" dirty="0" smtClean="0"/>
-              <a:t>Connection</a:t>
-            </a:r>
-          </a:p>
-          <a:p>
-            <a:pPr lvl="1"/>
-            <a:r>
-              <a:rPr lang="en-GB" dirty="0" smtClean="0"/>
-              <a:t>Java</a:t>
-            </a:r>
-          </a:p>
-          <a:p>
-            <a:r>
-              <a:rPr lang="en-GB" dirty="0" smtClean="0"/>
-              <a:t>CRUD</a:t>
-            </a:r>
-          </a:p>
-          <a:p>
-            <a:pPr lvl="1"/>
-            <a:r>
-              <a:rPr lang="en-GB" dirty="0" smtClean="0"/>
-              <a:t>Create</a:t>
-            </a:r>
-          </a:p>
-          <a:p>
-            <a:pPr lvl="1"/>
-            <a:r>
-              <a:rPr lang="en-GB" dirty="0" smtClean="0"/>
-              <a:t>Read</a:t>
-            </a:r>
-          </a:p>
-          <a:p>
-            <a:pPr lvl="1"/>
-            <a:r>
-              <a:rPr lang="en-GB" dirty="0" smtClean="0"/>
-              <a:t>Update</a:t>
-            </a:r>
-          </a:p>
-          <a:p>
-            <a:pPr lvl="1"/>
-            <a:r>
-              <a:rPr lang="en-GB" dirty="0" smtClean="0"/>
-              <a:t>Delete</a:t>
-            </a:r>
-          </a:p>
-        </p:txBody>
-      </p:sp>
-      <p:pic>
-        <p:nvPicPr>
-          <p:cNvPr id="2052" name="Picture 4" descr="http://1426826955.rsc.cdn77.org/wp-content/uploads/2015/03/mysql.jpg"/>
-          <p:cNvPicPr>
-            <a:picLocks noGrp="1" noChangeAspect="1" noChangeArrowheads="1"/>
-          </p:cNvPicPr>
-          <p:nvPr>
-            <p:ph sz="half" idx="2"/>
-          </p:nvPr>
-        </p:nvPicPr>
-        <p:blipFill>
-          <a:blip r:embed="rId2">
-            <a:extLst>
-              <a:ext uri="{28A0092B-C50C-407E-A947-70E740481C1C}">
-                <a14:useLocalDpi xmlns:a14="http://schemas.microsoft.com/office/drawing/2010/main" val="0"/>
-              </a:ext>
-            </a:extLst>
-          </a:blip>
-          <a:srcRect/>
-          <a:stretch>
-            <a:fillRect/>
-          </a:stretch>
-        </p:blipFill>
-        <p:spPr bwMode="auto">
-          <a:xfrm>
-            <a:off x="5089525" y="3171384"/>
-            <a:ext cx="4184650" cy="1859844"/>
-          </a:xfrm>
-          <a:prstGeom prst="rect">
-            <a:avLst/>
-          </a:prstGeom>
-          <a:noFill/>
-          <a:extLst>
-            <a:ext uri="{909E8E84-426E-40DD-AFC4-6F175D3DCCD1}">
-              <a14:hiddenFill xmlns:a14="http://schemas.microsoft.com/office/drawing/2010/main">
-                <a:solidFill>
-                  <a:srgbClr val="FFFFFF"/>
-                </a:solidFill>
-              </a14:hiddenFill>
-            </a:ext>
-          </a:extLst>
-        </p:spPr>
-      </p:pic>
-    </p:spTree>
-    <p:extLst>
-      <p:ext uri="{BB962C8B-B14F-4D97-AF65-F5344CB8AC3E}">
-        <p14:creationId xmlns:p14="http://schemas.microsoft.com/office/powerpoint/2010/main" val="1379737632"/>
-      </p:ext>
-    </p:extLst>
-  </p:cSld>
-  <p:clrMapOvr>
-    <a:masterClrMapping/>
-  </p:clrMapOvr>
-</p:sld>
-</file>
-
-<file path=ppt/slides/slide21.xml><?xml version="1.0" encoding="utf-8"?>
-<p:sld xmlns:a="http://schemas.openxmlformats.org/drawingml/2006/main" xmlns:r="http://schemas.openxmlformats.org/officeDocument/2006/relationships" xmlns:p="http://schemas.openxmlformats.org/presentationml/2006/main">
-  <p:cSld>
-    <p:spTree>
-      <p:nvGrpSpPr>
-        <p:cNvPr id="1" name=""/>
-        <p:cNvGrpSpPr/>
-        <p:nvPr/>
-      </p:nvGrpSpPr>
-      <p:grpSpPr>
-        <a:xfrm>
-          <a:off x="0" y="0"/>
-          <a:ext cx="0" cy="0"/>
-          <a:chOff x="0" y="0"/>
-          <a:chExt cx="0" cy="0"/>
-        </a:xfrm>
-      </p:grpSpPr>
-      <p:sp>
-        <p:nvSpPr>
           <p:cNvPr id="4" name="Title 3"/>
           <p:cNvSpPr>
             <a:spLocks noGrp="1"/>
@@ -7519,7 +6448,7 @@
 </p:sld>
 </file>
 
-<file path=ppt/slides/slide22.xml><?xml version="1.0" encoding="utf-8"?>
+<file path=ppt/slides/slide15.xml><?xml version="1.0" encoding="utf-8"?>
 <p:sld xmlns:a="http://schemas.openxmlformats.org/drawingml/2006/main" xmlns:r="http://schemas.openxmlformats.org/officeDocument/2006/relationships" xmlns:p="http://schemas.openxmlformats.org/presentationml/2006/main">
   <p:cSld>
     <p:spTree>
@@ -7736,7 +6665,7 @@
 </p:sld>
 </file>
 
-<file path=ppt/slides/slide23.xml><?xml version="1.0" encoding="utf-8"?>
+<file path=ppt/slides/slide16.xml><?xml version="1.0" encoding="utf-8"?>
 <p:sld xmlns:a="http://schemas.openxmlformats.org/drawingml/2006/main" xmlns:r="http://schemas.openxmlformats.org/officeDocument/2006/relationships" xmlns:p="http://schemas.openxmlformats.org/presentationml/2006/main">
   <p:cSld>
     <p:spTree>
@@ -7864,7 +6793,7 @@
 </p:sld>
 </file>
 
-<file path=ppt/slides/slide24.xml><?xml version="1.0" encoding="utf-8"?>
+<file path=ppt/slides/slide17.xml><?xml version="1.0" encoding="utf-8"?>
 <p:sld xmlns:a="http://schemas.openxmlformats.org/drawingml/2006/main" xmlns:r="http://schemas.openxmlformats.org/officeDocument/2006/relationships" xmlns:p="http://schemas.openxmlformats.org/presentationml/2006/main">
   <p:cSld>
     <p:spTree>
@@ -7919,7 +6848,24 @@
           <a:bodyPr anchor="ctr"/>
           <a:lstStyle/>
           <a:p>
-            <a:endParaRPr lang="en-GB" dirty="0" smtClean="0"/>
+            <a:r>
+              <a:rPr lang="en-GB" dirty="0" smtClean="0"/>
+              <a:t>Core Backend</a:t>
+            </a:r>
+            <a:endParaRPr lang="en-GB" dirty="0"/>
+          </a:p>
+          <a:p>
+            <a:r>
+              <a:rPr lang="en-GB" dirty="0" smtClean="0"/>
+              <a:t>Handles Communication between programs</a:t>
+            </a:r>
+          </a:p>
+          <a:p>
+            <a:r>
+              <a:rPr lang="en-GB" dirty="0" smtClean="0"/>
+              <a:t>Interrupts all current clients</a:t>
+            </a:r>
+            <a:endParaRPr lang="en-GB" dirty="0"/>
           </a:p>
         </p:txBody>
       </p:sp>
@@ -7977,7 +6923,7 @@
 </p:sld>
 </file>
 
-<file path=ppt/slides/slide25.xml><?xml version="1.0" encoding="utf-8"?>
+<file path=ppt/slides/slide18.xml><?xml version="1.0" encoding="utf-8"?>
 <p:sld xmlns:a="http://schemas.openxmlformats.org/drawingml/2006/main" xmlns:r="http://schemas.openxmlformats.org/officeDocument/2006/relationships" xmlns:p="http://schemas.openxmlformats.org/presentationml/2006/main">
   <p:cSld>
     <p:spTree>
@@ -8093,7 +7039,7 @@
 </p:sld>
 </file>
 
-<file path=ppt/slides/slide26.xml><?xml version="1.0" encoding="utf-8"?>
+<file path=ppt/slides/slide19.xml><?xml version="1.0" encoding="utf-8"?>
 <p:sld xmlns:a="http://schemas.openxmlformats.org/drawingml/2006/main" xmlns:r="http://schemas.openxmlformats.org/officeDocument/2006/relationships" xmlns:p="http://schemas.openxmlformats.org/presentationml/2006/main">
   <p:cSld>
     <p:spTree>
@@ -8150,6 +7096,144 @@
       </p:par>
     </p:tnLst>
   </p:timing>
+</p:sld>
+</file>
+
+<file path=ppt/slides/slide2.xml><?xml version="1.0" encoding="utf-8"?>
+<p:sld xmlns:a="http://schemas.openxmlformats.org/drawingml/2006/main" xmlns:r="http://schemas.openxmlformats.org/officeDocument/2006/relationships" xmlns:p="http://schemas.openxmlformats.org/presentationml/2006/main">
+  <p:cSld>
+    <p:spTree>
+      <p:nvGrpSpPr>
+        <p:cNvPr id="1" name=""/>
+        <p:cNvGrpSpPr/>
+        <p:nvPr/>
+      </p:nvGrpSpPr>
+      <p:grpSpPr>
+        <a:xfrm>
+          <a:off x="0" y="0"/>
+          <a:ext cx="0" cy="0"/>
+          <a:chOff x="0" y="0"/>
+          <a:chExt cx="0" cy="0"/>
+        </a:xfrm>
+      </p:grpSpPr>
+      <p:sp>
+        <p:nvSpPr>
+          <p:cNvPr id="2" name="Title 1"/>
+          <p:cNvSpPr>
+            <a:spLocks noGrp="1"/>
+          </p:cNvSpPr>
+          <p:nvPr>
+            <p:ph type="title"/>
+          </p:nvPr>
+        </p:nvSpPr>
+        <p:spPr/>
+        <p:txBody>
+          <a:bodyPr/>
+          <a:lstStyle/>
+          <a:p>
+            <a:r>
+              <a:rPr lang="en-GB" dirty="0" smtClean="0"/>
+              <a:t>Initial Investigation</a:t>
+            </a:r>
+            <a:endParaRPr lang="en-GB" dirty="0"/>
+          </a:p>
+        </p:txBody>
+      </p:sp>
+      <p:sp>
+        <p:nvSpPr>
+          <p:cNvPr id="10" name="Content Placeholder 9"/>
+          <p:cNvSpPr>
+            <a:spLocks noGrp="1"/>
+          </p:cNvSpPr>
+          <p:nvPr>
+            <p:ph sz="half" idx="1"/>
+          </p:nvPr>
+        </p:nvSpPr>
+        <p:spPr/>
+        <p:txBody>
+          <a:bodyPr anchor="ctr"/>
+          <a:lstStyle/>
+          <a:p>
+            <a:r>
+              <a:rPr lang="en-GB" dirty="0" smtClean="0"/>
+              <a:t>NB Gardens</a:t>
+            </a:r>
+          </a:p>
+          <a:p>
+            <a:pPr lvl="1"/>
+            <a:r>
+              <a:rPr lang="en-GB" dirty="0" smtClean="0"/>
+              <a:t>Traditional Catalogue Company</a:t>
+            </a:r>
+          </a:p>
+          <a:p>
+            <a:r>
+              <a:rPr lang="en-GB" dirty="0" smtClean="0"/>
+              <a:t>Interviews</a:t>
+            </a:r>
+          </a:p>
+          <a:p>
+            <a:pPr lvl="1"/>
+            <a:r>
+              <a:rPr lang="en-GB" dirty="0" smtClean="0"/>
+              <a:t>Senior Management</a:t>
+            </a:r>
+          </a:p>
+          <a:p>
+            <a:pPr lvl="1"/>
+            <a:r>
+              <a:rPr lang="en-GB" dirty="0" smtClean="0"/>
+              <a:t>Lower Level Employees</a:t>
+            </a:r>
+          </a:p>
+          <a:p>
+            <a:r>
+              <a:rPr lang="en-GB" dirty="0" smtClean="0"/>
+              <a:t>Architect the Business</a:t>
+            </a:r>
+            <a:endParaRPr lang="en-GB" dirty="0"/>
+          </a:p>
+        </p:txBody>
+      </p:sp>
+      <p:pic>
+        <p:nvPicPr>
+          <p:cNvPr id="12" name="Content Placeholder 11"/>
+          <p:cNvPicPr>
+            <a:picLocks noGrp="1" noChangeAspect="1"/>
+          </p:cNvPicPr>
+          <p:nvPr>
+            <p:ph sz="half" idx="2"/>
+          </p:nvPr>
+        </p:nvPicPr>
+        <p:blipFill>
+          <a:blip r:embed="rId2">
+            <a:extLst>
+              <a:ext uri="{28A0092B-C50C-407E-A947-70E740481C1C}">
+                <a14:useLocalDpi xmlns:a14="http://schemas.microsoft.com/office/drawing/2010/main" val="0"/>
+              </a:ext>
+            </a:extLst>
+          </a:blip>
+          <a:stretch>
+            <a:fillRect/>
+          </a:stretch>
+        </p:blipFill>
+        <p:spPr>
+          <a:xfrm>
+            <a:off x="5241131" y="2160588"/>
+            <a:ext cx="3881437" cy="3881437"/>
+          </a:xfrm>
+        </p:spPr>
+      </p:pic>
+    </p:spTree>
+    <p:extLst>
+      <p:ext uri="{BB962C8B-B14F-4D97-AF65-F5344CB8AC3E}">
+        <p14:creationId xmlns:p14="http://schemas.microsoft.com/office/powerpoint/2010/main" val="3188887364"/>
+      </p:ext>
+    </p:extLst>
+  </p:cSld>
+  <p:clrMapOvr>
+    <a:masterClrMapping/>
+  </p:clrMapOvr>
 </p:sld>
 </file>
 
@@ -8576,415 +7660,6 @@
 </file>
 
 <file path=ppt/slides/slide6.xml><?xml version="1.0" encoding="utf-8"?>
-<p:sld xmlns:a="http://schemas.openxmlformats.org/drawingml/2006/main" xmlns:r="http://schemas.openxmlformats.org/officeDocument/2006/relationships" xmlns:p="http://schemas.openxmlformats.org/presentationml/2006/main">
-  <p:cSld>
-    <p:spTree>
-      <p:nvGrpSpPr>
-        <p:cNvPr id="1" name=""/>
-        <p:cNvGrpSpPr/>
-        <p:nvPr/>
-      </p:nvGrpSpPr>
-      <p:grpSpPr>
-        <a:xfrm>
-          <a:off x="0" y="0"/>
-          <a:ext cx="0" cy="0"/>
-          <a:chOff x="0" y="0"/>
-          <a:chExt cx="0" cy="0"/>
-        </a:xfrm>
-      </p:grpSpPr>
-      <p:sp>
-        <p:nvSpPr>
-          <p:cNvPr id="5" name="TextBox 4"/>
-          <p:cNvSpPr txBox="1"/>
-          <p:nvPr/>
-        </p:nvSpPr>
-        <p:spPr>
-          <a:xfrm>
-            <a:off x="320819" y="1276584"/>
-            <a:ext cx="11550363" cy="461665"/>
-          </a:xfrm>
-          <a:prstGeom prst="rect">
-            <a:avLst/>
-          </a:prstGeom>
-          <a:noFill/>
-        </p:spPr>
-        <p:txBody>
-          <a:bodyPr wrap="square" rtlCol="0">
-            <a:spAutoFit/>
-          </a:bodyPr>
-          <a:lstStyle/>
-          <a:p>
-            <a:r>
-              <a:rPr lang="en-GB" sz="2400" dirty="0" smtClean="0"/>
-              <a:t>As a </a:t>
-            </a:r>
-            <a:r>
-              <a:rPr lang="en-GB" sz="2400" dirty="0" smtClean="0">
-                <a:solidFill>
-                  <a:srgbClr val="0070C0"/>
-                </a:solidFill>
-              </a:rPr>
-              <a:t>visitor</a:t>
-            </a:r>
-            <a:r>
-              <a:rPr lang="en-GB" sz="2400" dirty="0" smtClean="0"/>
-              <a:t> I want to be able to enter my details so I can become a </a:t>
-            </a:r>
-            <a:r>
-              <a:rPr lang="en-GB" sz="2400" dirty="0" smtClean="0">
-                <a:solidFill>
-                  <a:srgbClr val="0070C0"/>
-                </a:solidFill>
-              </a:rPr>
-              <a:t>customer</a:t>
-            </a:r>
-            <a:endParaRPr lang="en-GB" sz="2400" dirty="0">
-              <a:solidFill>
-                <a:srgbClr val="0070C0"/>
-              </a:solidFill>
-            </a:endParaRPr>
-          </a:p>
-        </p:txBody>
-      </p:sp>
-      <p:sp>
-        <p:nvSpPr>
-          <p:cNvPr id="6" name="TextBox 5"/>
-          <p:cNvSpPr txBox="1"/>
-          <p:nvPr/>
-        </p:nvSpPr>
-        <p:spPr>
-          <a:xfrm>
-            <a:off x="320819" y="1912961"/>
-            <a:ext cx="1082180" cy="461665"/>
-          </a:xfrm>
-          <a:prstGeom prst="rect">
-            <a:avLst/>
-          </a:prstGeom>
-          <a:noFill/>
-        </p:spPr>
-        <p:txBody>
-          <a:bodyPr wrap="square" rtlCol="0">
-            <a:spAutoFit/>
-          </a:bodyPr>
-          <a:lstStyle/>
-          <a:p>
-            <a:r>
-              <a:rPr lang="en-GB" sz="2400" dirty="0" smtClean="0">
-                <a:solidFill>
-                  <a:srgbClr val="0070C0"/>
-                </a:solidFill>
-              </a:rPr>
-              <a:t>Visitor</a:t>
-            </a:r>
-            <a:endParaRPr lang="en-GB" sz="2400" dirty="0">
-              <a:solidFill>
-                <a:srgbClr val="0070C0"/>
-              </a:solidFill>
-            </a:endParaRPr>
-          </a:p>
-        </p:txBody>
-      </p:sp>
-      <p:sp>
-        <p:nvSpPr>
-          <p:cNvPr id="7" name="TextBox 6"/>
-          <p:cNvSpPr txBox="1"/>
-          <p:nvPr/>
-        </p:nvSpPr>
-        <p:spPr>
-          <a:xfrm>
-            <a:off x="1402999" y="1912960"/>
-            <a:ext cx="1960986" cy="461665"/>
-          </a:xfrm>
-          <a:prstGeom prst="rect">
-            <a:avLst/>
-          </a:prstGeom>
-          <a:noFill/>
-        </p:spPr>
-        <p:txBody>
-          <a:bodyPr wrap="square" rtlCol="0">
-            <a:spAutoFit/>
-          </a:bodyPr>
-          <a:lstStyle/>
-          <a:p>
-            <a:r>
-              <a:rPr lang="en-GB" sz="2400" dirty="0" smtClean="0">
-                <a:solidFill>
-                  <a:srgbClr val="0070C0"/>
-                </a:solidFill>
-              </a:rPr>
-              <a:t>Customer</a:t>
-            </a:r>
-            <a:r>
-              <a:rPr lang="en-GB" sz="2400" dirty="0" smtClean="0">
-                <a:solidFill>
-                  <a:schemeClr val="accent1">
-                    <a:lumMod val="60000"/>
-                    <a:lumOff val="40000"/>
-                  </a:schemeClr>
-                </a:solidFill>
-              </a:rPr>
-              <a:t> </a:t>
-            </a:r>
-            <a:r>
-              <a:rPr lang="en-GB" sz="2400" dirty="0" smtClean="0"/>
-              <a:t>-</a:t>
-            </a:r>
-            <a:endParaRPr lang="en-GB" sz="2400" dirty="0"/>
-          </a:p>
-        </p:txBody>
-      </p:sp>
-      <p:sp>
-        <p:nvSpPr>
-          <p:cNvPr id="8" name="TextBox 7"/>
-          <p:cNvSpPr txBox="1"/>
-          <p:nvPr/>
-        </p:nvSpPr>
-        <p:spPr>
-          <a:xfrm>
-            <a:off x="3104568" y="1912960"/>
-            <a:ext cx="2602756" cy="2677656"/>
-          </a:xfrm>
-          <a:prstGeom prst="rect">
-            <a:avLst/>
-          </a:prstGeom>
-          <a:noFill/>
-        </p:spPr>
-        <p:txBody>
-          <a:bodyPr wrap="square" rtlCol="0">
-            <a:spAutoFit/>
-          </a:bodyPr>
-          <a:lstStyle/>
-          <a:p>
-            <a:r>
-              <a:rPr lang="en-GB" sz="2400" dirty="0" err="1" smtClean="0">
-                <a:solidFill>
-                  <a:schemeClr val="accent3"/>
-                </a:solidFill>
-              </a:rPr>
-              <a:t>idUser</a:t>
-            </a:r>
-            <a:endParaRPr lang="en-GB" sz="2400" dirty="0" smtClean="0">
-              <a:solidFill>
-                <a:schemeClr val="accent3"/>
-              </a:solidFill>
-            </a:endParaRPr>
-          </a:p>
-          <a:p>
-            <a:r>
-              <a:rPr lang="en-GB" sz="2400" dirty="0" smtClean="0"/>
-              <a:t>First Name</a:t>
-            </a:r>
-          </a:p>
-          <a:p>
-            <a:r>
-              <a:rPr lang="en-GB" sz="2400" dirty="0" smtClean="0"/>
-              <a:t>Last Name</a:t>
-            </a:r>
-          </a:p>
-          <a:p>
-            <a:r>
-              <a:rPr lang="en-GB" sz="2400" dirty="0" smtClean="0"/>
-              <a:t>Email</a:t>
-            </a:r>
-          </a:p>
-          <a:p>
-            <a:r>
-              <a:rPr lang="en-GB" sz="2400" dirty="0" smtClean="0"/>
-              <a:t>Password</a:t>
-            </a:r>
-          </a:p>
-          <a:p>
-            <a:r>
-              <a:rPr lang="en-GB" sz="2400" dirty="0" smtClean="0"/>
-              <a:t>DOB</a:t>
-            </a:r>
-          </a:p>
-          <a:p>
-            <a:r>
-              <a:rPr lang="en-GB" sz="2400" dirty="0" smtClean="0"/>
-              <a:t>Phone Number</a:t>
-            </a:r>
-            <a:endParaRPr lang="en-GB" sz="2400" dirty="0"/>
-          </a:p>
-        </p:txBody>
-      </p:sp>
-      <p:pic>
-        <p:nvPicPr>
-          <p:cNvPr id="9" name="Picture 8"/>
-          <p:cNvPicPr>
-            <a:picLocks noChangeAspect="1"/>
-          </p:cNvPicPr>
-          <p:nvPr/>
-        </p:nvPicPr>
-        <p:blipFill rotWithShape="1">
-          <a:blip r:embed="rId2"/>
-          <a:srcRect l="32329" t="55555" r="54233" b="16111"/>
-          <a:stretch/>
-        </p:blipFill>
-        <p:spPr>
-          <a:xfrm>
-            <a:off x="9573003" y="4167377"/>
-            <a:ext cx="2028971" cy="2406454"/>
-          </a:xfrm>
-          <a:prstGeom prst="rect">
-            <a:avLst/>
-          </a:prstGeom>
-        </p:spPr>
-      </p:pic>
-      <p:pic>
-        <p:nvPicPr>
-          <p:cNvPr id="10" name="Picture 9"/>
-          <p:cNvPicPr>
-            <a:picLocks noChangeAspect="1"/>
-          </p:cNvPicPr>
-          <p:nvPr/>
-        </p:nvPicPr>
-        <p:blipFill rotWithShape="1">
-          <a:blip r:embed="rId2"/>
-          <a:srcRect l="16142" t="21081" r="69639" b="43085"/>
-          <a:stretch/>
-        </p:blipFill>
-        <p:spPr>
-          <a:xfrm>
-            <a:off x="7668309" y="1845896"/>
-            <a:ext cx="1758629" cy="2493002"/>
-          </a:xfrm>
-          <a:prstGeom prst="rect">
-            <a:avLst/>
-          </a:prstGeom>
-        </p:spPr>
-      </p:pic>
-      <p:cxnSp>
-        <p:nvCxnSpPr>
-          <p:cNvPr id="11" name="Straight Arrow Connector 10"/>
-          <p:cNvCxnSpPr>
-            <a:stCxn id="8" idx="3"/>
-          </p:cNvCxnSpPr>
-          <p:nvPr/>
-        </p:nvCxnSpPr>
-        <p:spPr>
-          <a:xfrm flipV="1">
-            <a:off x="5707324" y="3246539"/>
-            <a:ext cx="1901491" cy="5249"/>
-          </a:xfrm>
-          <a:prstGeom prst="straightConnector1">
-            <a:avLst/>
-          </a:prstGeom>
-          <a:ln>
-            <a:solidFill>
-              <a:schemeClr val="tx1">
-                <a:lumMod val="85000"/>
-              </a:schemeClr>
-            </a:solidFill>
-            <a:tailEnd type="triangle"/>
-          </a:ln>
-        </p:spPr>
-        <p:style>
-          <a:lnRef idx="1">
-            <a:schemeClr val="accent1"/>
-          </a:lnRef>
-          <a:fillRef idx="0">
-            <a:schemeClr val="accent1"/>
-          </a:fillRef>
-          <a:effectRef idx="0">
-            <a:schemeClr val="accent1"/>
-          </a:effectRef>
-          <a:fontRef idx="minor">
-            <a:schemeClr val="tx1"/>
-          </a:fontRef>
-        </p:style>
-      </p:cxnSp>
-      <p:cxnSp>
-        <p:nvCxnSpPr>
-          <p:cNvPr id="12" name="Straight Connector 11"/>
-          <p:cNvCxnSpPr>
-            <a:stCxn id="8" idx="2"/>
-          </p:cNvCxnSpPr>
-          <p:nvPr/>
-        </p:nvCxnSpPr>
-        <p:spPr>
-          <a:xfrm flipH="1">
-            <a:off x="4404220" y="4590616"/>
-            <a:ext cx="1726" cy="870617"/>
-          </a:xfrm>
-          <a:prstGeom prst="line">
-            <a:avLst/>
-          </a:prstGeom>
-          <a:ln>
-            <a:solidFill>
-              <a:schemeClr val="tx1">
-                <a:lumMod val="85000"/>
-              </a:schemeClr>
-            </a:solidFill>
-          </a:ln>
-        </p:spPr>
-        <p:style>
-          <a:lnRef idx="1">
-            <a:schemeClr val="accent1"/>
-          </a:lnRef>
-          <a:fillRef idx="0">
-            <a:schemeClr val="accent1"/>
-          </a:fillRef>
-          <a:effectRef idx="0">
-            <a:schemeClr val="accent1"/>
-          </a:effectRef>
-          <a:fontRef idx="minor">
-            <a:schemeClr val="tx1"/>
-          </a:fontRef>
-        </p:style>
-      </p:cxnSp>
-      <p:cxnSp>
-        <p:nvCxnSpPr>
-          <p:cNvPr id="13" name="Straight Arrow Connector 12"/>
-          <p:cNvCxnSpPr/>
-          <p:nvPr/>
-        </p:nvCxnSpPr>
-        <p:spPr>
-          <a:xfrm>
-            <a:off x="4404220" y="5461233"/>
-            <a:ext cx="5083729" cy="0"/>
-          </a:xfrm>
-          <a:prstGeom prst="straightConnector1">
-            <a:avLst/>
-          </a:prstGeom>
-          <a:ln>
-            <a:solidFill>
-              <a:schemeClr val="tx1">
-                <a:lumMod val="85000"/>
-              </a:schemeClr>
-            </a:solidFill>
-            <a:tailEnd type="triangle"/>
-          </a:ln>
-        </p:spPr>
-        <p:style>
-          <a:lnRef idx="1">
-            <a:schemeClr val="accent1"/>
-          </a:lnRef>
-          <a:fillRef idx="0">
-            <a:schemeClr val="accent1"/>
-          </a:fillRef>
-          <a:effectRef idx="0">
-            <a:schemeClr val="accent1"/>
-          </a:effectRef>
-          <a:fontRef idx="minor">
-            <a:schemeClr val="tx1"/>
-          </a:fontRef>
-        </p:style>
-      </p:cxnSp>
-    </p:spTree>
-    <p:extLst>
-      <p:ext uri="{BB962C8B-B14F-4D97-AF65-F5344CB8AC3E}">
-        <p14:creationId xmlns:p14="http://schemas.microsoft.com/office/powerpoint/2010/main" val="888947730"/>
-      </p:ext>
-    </p:extLst>
-  </p:cSld>
-  <p:clrMapOvr>
-    <a:masterClrMapping/>
-  </p:clrMapOvr>
-</p:sld>
-</file>
-
-<file path=ppt/slides/slide7.xml><?xml version="1.0" encoding="utf-8"?>
 <p:sld xmlns:a="http://schemas.openxmlformats.org/drawingml/2006/main" xmlns:r="http://schemas.openxmlformats.org/officeDocument/2006/relationships" xmlns:p="http://schemas.openxmlformats.org/presentationml/2006/main">
   <p:cSld>
     <p:spTree>
@@ -9076,7 +7751,7 @@
 </p:sld>
 </file>
 
-<file path=ppt/slides/slide8.xml><?xml version="1.0" encoding="utf-8"?>
+<file path=ppt/slides/slide7.xml><?xml version="1.0" encoding="utf-8"?>
 <p:sld xmlns:a="http://schemas.openxmlformats.org/drawingml/2006/main" xmlns:r="http://schemas.openxmlformats.org/officeDocument/2006/relationships" xmlns:p="http://schemas.openxmlformats.org/presentationml/2006/main">
   <p:cSld>
     <p:spTree>
@@ -9164,7 +7839,7 @@
 </p:sld>
 </file>
 
-<file path=ppt/slides/slide9.xml><?xml version="1.0" encoding="utf-8"?>
+<file path=ppt/slides/slide8.xml><?xml version="1.0" encoding="utf-8"?>
 <p:sld xmlns:a="http://schemas.openxmlformats.org/drawingml/2006/main" xmlns:r="http://schemas.openxmlformats.org/officeDocument/2006/relationships" xmlns:p="http://schemas.openxmlformats.org/presentationml/2006/main">
   <p:cSld>
     <p:spTree>
@@ -9345,6 +8020,59 @@
     <p:extLst>
       <p:ext uri="{BB962C8B-B14F-4D97-AF65-F5344CB8AC3E}">
         <p14:creationId xmlns:p14="http://schemas.microsoft.com/office/powerpoint/2010/main" val="2986022282"/>
+      </p:ext>
+    </p:extLst>
+  </p:cSld>
+  <p:clrMapOvr>
+    <a:masterClrMapping/>
+  </p:clrMapOvr>
+</p:sld>
+</file>
+
+<file path=ppt/slides/slide9.xml><?xml version="1.0" encoding="utf-8"?>
+<p:sld xmlns:a="http://schemas.openxmlformats.org/drawingml/2006/main" xmlns:r="http://schemas.openxmlformats.org/officeDocument/2006/relationships" xmlns:p="http://schemas.openxmlformats.org/presentationml/2006/main">
+  <p:cSld>
+    <p:spTree>
+      <p:nvGrpSpPr>
+        <p:cNvPr id="1" name=""/>
+        <p:cNvGrpSpPr/>
+        <p:nvPr/>
+      </p:nvGrpSpPr>
+      <p:grpSpPr>
+        <a:xfrm>
+          <a:off x="0" y="0"/>
+          <a:ext cx="0" cy="0"/>
+          <a:chOff x="0" y="0"/>
+          <a:chExt cx="0" cy="0"/>
+        </a:xfrm>
+      </p:grpSpPr>
+      <p:sp>
+        <p:nvSpPr>
+          <p:cNvPr id="2" name="Title 1"/>
+          <p:cNvSpPr>
+            <a:spLocks noGrp="1"/>
+          </p:cNvSpPr>
+          <p:nvPr>
+            <p:ph type="title"/>
+          </p:nvPr>
+        </p:nvSpPr>
+        <p:spPr/>
+        <p:txBody>
+          <a:bodyPr/>
+          <a:lstStyle/>
+          <a:p>
+            <a:r>
+              <a:rPr lang="en-GB" dirty="0" smtClean="0"/>
+              <a:t>System Design</a:t>
+            </a:r>
+            <a:endParaRPr lang="en-GB" dirty="0"/>
+          </a:p>
+        </p:txBody>
+      </p:sp>
+    </p:spTree>
+    <p:extLst>
+      <p:ext uri="{BB962C8B-B14F-4D97-AF65-F5344CB8AC3E}">
+        <p14:creationId xmlns:p14="http://schemas.microsoft.com/office/powerpoint/2010/main" val="1880686652"/>
       </p:ext>
     </p:extLst>
   </p:cSld>

--- a/Project SpringWater 4 Weeks.pptx
+++ b/Project SpringWater 4 Weeks.pptx
@@ -5913,6 +5913,36 @@
           </a:p>
         </p:txBody>
       </p:sp>
+      <p:pic>
+        <p:nvPicPr>
+          <p:cNvPr id="5" name="Picture 4"/>
+          <p:cNvPicPr>
+            <a:picLocks noChangeAspect="1"/>
+          </p:cNvPicPr>
+          <p:nvPr/>
+        </p:nvPicPr>
+        <p:blipFill>
+          <a:blip r:embed="rId2">
+            <a:extLst>
+              <a:ext uri="{28A0092B-C50C-407E-A947-70E740481C1C}">
+                <a14:useLocalDpi xmlns:a14="http://schemas.microsoft.com/office/drawing/2010/main" val="0"/>
+              </a:ext>
+            </a:extLst>
+          </a:blip>
+          <a:stretch>
+            <a:fillRect/>
+          </a:stretch>
+        </p:blipFill>
+        <p:spPr>
+          <a:xfrm>
+            <a:off x="677334" y="1270000"/>
+            <a:ext cx="8735738" cy="4438140"/>
+          </a:xfrm>
+          <a:prstGeom prst="rect">
+            <a:avLst/>
+          </a:prstGeom>
+        </p:spPr>
+      </p:pic>
     </p:spTree>
     <p:extLst>
       <p:ext uri="{BB962C8B-B14F-4D97-AF65-F5344CB8AC3E}">
